--- a/modules/PPT/Growth.pptx
+++ b/modules/PPT/Growth.pptx
@@ -6940,11 +6940,7 @@
             </a:pPr>
             <a:r>
               <a:rPr lang="en-US" dirty="0" smtClean="0"/>
-              <a:t>Log(2)/K is time </a:t>
-            </a:r>
-            <a:r>
-              <a:rPr lang="en-US" dirty="0" smtClean="0"/>
-              <a:t>to get halfway between a length and </a:t>
+              <a:t>Log(2)/K is time to get halfway between a length and </a:t>
             </a:r>
             <a:r>
               <a:rPr lang="en-US" dirty="0"/>
